--- a/2d게임프로그래밍_2012182036_정수영_2차.pptx
+++ b/2d게임프로그래밍_2012182036_정수영_2차.pptx
@@ -145,7 +145,7 @@
   </p:defaultTextStyle>
   <p:extLst>
     <p:ext uri="{EFAFB233-063F-42B5-8137-9DF3F51BA10A}">
-      <p15:sldGuideLst xmlns:p15="http://schemas.microsoft.com/office/powerpoint/2012/main" xmlns="">
+      <p15:sldGuideLst xmlns="" xmlns:p15="http://schemas.microsoft.com/office/powerpoint/2012/main">
         <p15:guide id="1" orient="horz" pos="2160">
           <p15:clr>
             <a:srgbClr val="A4A3A4"/>
@@ -5014,15 +5014,7 @@
                   <a:schemeClr val="accent2"/>
                 </a:solidFill>
               </a:rPr>
-              <a:t>정  수 </a:t>
-            </a:r>
-            <a:r>
-              <a:rPr lang="ko-KR" altLang="en-US" dirty="0" smtClean="0">
-                <a:solidFill>
-                  <a:schemeClr val="accent2"/>
-                </a:solidFill>
-              </a:rPr>
-              <a:t> 영</a:t>
+              <a:t>정  수  영</a:t>
             </a:r>
             <a:r>
               <a:rPr lang="en-US" altLang="ko-KR" dirty="0">
@@ -5972,7 +5964,6 @@
               <a:rPr lang="ko-KR" altLang="en-US" dirty="0"/>
               <a:t>개발 계획 대비 현재 진행 상황</a:t>
             </a:r>
-            <a:endParaRPr lang="ko-KR" altLang="en-US" dirty="0"/>
           </a:p>
         </p:txBody>
       </p:sp>
@@ -5985,7 +5976,7 @@
           <p:nvPr>
             <p:extLst>
               <p:ext uri="{D42A27DB-BD31-4B8C-83A1-F6EECF244321}">
-                <p14:modId xmlns:p14="http://schemas.microsoft.com/office/powerpoint/2010/main" val="2447342841"/>
+                <p14:modId xmlns:p14="http://schemas.microsoft.com/office/powerpoint/2010/main" val="3460678670"/>
               </p:ext>
             </p:extLst>
           </p:nvPr>
@@ -8442,12 +8433,6 @@
                         </a:rPr>
                         <a:t>계획</a:t>
                       </a:r>
-                      <a:endParaRPr lang="ko-KR" altLang="en-US" sz="1200" b="1" dirty="0" smtClean="0">
-                        <a:solidFill>
-                          <a:schemeClr val="tx1"/>
-                        </a:solidFill>
-                        <a:latin typeface="+mn-lt"/>
-                      </a:endParaRPr>
                     </a:p>
                   </a:txBody>
                   <a:tcPr marT="45715" marB="45715">
@@ -8695,12 +8680,6 @@
                         </a:rPr>
                         <a:t>결과</a:t>
                       </a:r>
-                      <a:endParaRPr lang="ko-KR" altLang="en-US" sz="1200" b="1" dirty="0" smtClean="0">
-                        <a:solidFill>
-                          <a:schemeClr val="tx1"/>
-                        </a:solidFill>
-                        <a:latin typeface="+mn-lt"/>
-                      </a:endParaRPr>
                     </a:p>
                   </a:txBody>
                   <a:tcPr marT="45715" marB="45715">
@@ -8801,11 +8780,35 @@
                       </a:r>
                       <a:r>
                         <a:rPr lang="ko-KR" altLang="en-US" sz="1200" dirty="0" smtClean="0"/>
-                        <a:t> 적용</a:t>
+                        <a:t> </a:t>
+                      </a:r>
+                      <a:r>
+                        <a:rPr lang="ko-KR" altLang="en-US" sz="1200" dirty="0" smtClean="0"/>
+                        <a:t>적용</a:t>
                       </a:r>
                       <a:r>
                         <a:rPr lang="en-US" altLang="ko-KR" sz="1200" dirty="0" smtClean="0"/>
-                        <a:t>(50%)</a:t>
+                        <a:t>, </a:t>
+                      </a:r>
+                      <a:r>
+                        <a:rPr lang="ko-KR" altLang="en-US" sz="1200" smtClean="0"/>
+                        <a:t>타이틀 화면</a:t>
+                      </a:r>
+                      <a:r>
+                        <a:rPr lang="ko-KR" altLang="en-US" sz="1200" baseline="0" smtClean="0"/>
+                        <a:t> 이미지파일제작 완료</a:t>
+                      </a:r>
+                      <a:r>
+                        <a:rPr lang="en-US" altLang="ko-KR" sz="1200" smtClean="0"/>
+                        <a:t>(</a:t>
+                      </a:r>
+                      <a:r>
+                        <a:rPr lang="en-US" altLang="ko-KR" sz="1200" smtClean="0"/>
+                        <a:t>50</a:t>
+                      </a:r>
+                      <a:r>
+                        <a:rPr lang="en-US" altLang="ko-KR" sz="1200" smtClean="0"/>
+                        <a:t>%)</a:t>
                       </a:r>
                       <a:endParaRPr lang="ko-KR" altLang="en-US" sz="1200" dirty="0"/>
                     </a:p>
